--- a/Spoofing Diagram.pptx
+++ b/Spoofing Diagram.pptx
@@ -6,6 +6,8 @@
   </p:sldMasterIdLst>
   <p:sldIdLst>
     <p:sldId id="256" r:id="rId2"/>
+    <p:sldId id="257" r:id="rId3"/>
+    <p:sldId id="258" r:id="rId4"/>
   </p:sldIdLst>
   <p:sldSz cx="12192000" cy="6858000"/>
   <p:notesSz cx="6858000" cy="9144000"/>
@@ -3999,6 +4001,396 @@
 </p:sld>
 </file>
 
+<file path=ppt/slides/slide2.xml><?xml version="1.0" encoding="utf-8"?>
+<p:sld xmlns:a="http://schemas.openxmlformats.org/drawingml/2006/main" xmlns:r="http://schemas.openxmlformats.org/officeDocument/2006/relationships" xmlns:p="http://schemas.openxmlformats.org/presentationml/2006/main">
+  <p:cSld>
+    <p:spTree>
+      <p:nvGrpSpPr>
+        <p:cNvPr id="1" name=""/>
+        <p:cNvGrpSpPr/>
+        <p:nvPr/>
+      </p:nvGrpSpPr>
+      <p:grpSpPr>
+        <a:xfrm>
+          <a:off x="0" y="0"/>
+          <a:ext cx="0" cy="0"/>
+          <a:chOff x="0" y="0"/>
+          <a:chExt cx="0" cy="0"/>
+        </a:xfrm>
+      </p:grpSpPr>
+      <p:pic>
+        <p:nvPicPr>
+          <p:cNvPr id="9" name="Picture 8" descr="A screenshot of a computer&#10;&#10;Description automatically generated">
+            <a:extLst>
+              <a:ext uri="{FF2B5EF4-FFF2-40B4-BE49-F238E27FC236}">
+                <a16:creationId xmlns:a16="http://schemas.microsoft.com/office/drawing/2014/main" id="{2270E13D-D798-B607-CEBD-7441CA005BD9}"/>
+              </a:ext>
+            </a:extLst>
+          </p:cNvPr>
+          <p:cNvPicPr>
+            <a:picLocks noChangeAspect="1"/>
+          </p:cNvPicPr>
+          <p:nvPr/>
+        </p:nvPicPr>
+        <p:blipFill>
+          <a:blip r:embed="rId2"/>
+          <a:stretch>
+            <a:fillRect/>
+          </a:stretch>
+        </p:blipFill>
+        <p:spPr>
+          <a:xfrm>
+            <a:off x="157018" y="1045413"/>
+            <a:ext cx="5467927" cy="1210115"/>
+          </a:xfrm>
+          <a:prstGeom prst="rect">
+            <a:avLst/>
+          </a:prstGeom>
+        </p:spPr>
+      </p:pic>
+      <p:pic>
+        <p:nvPicPr>
+          <p:cNvPr id="11" name="Picture 10" descr="A screenshot of a computer&#10;&#10;Description automatically generated">
+            <a:extLst>
+              <a:ext uri="{FF2B5EF4-FFF2-40B4-BE49-F238E27FC236}">
+                <a16:creationId xmlns:a16="http://schemas.microsoft.com/office/drawing/2014/main" id="{CF21E14A-F913-EDEE-E2B2-D45779E6584F}"/>
+              </a:ext>
+            </a:extLst>
+          </p:cNvPr>
+          <p:cNvPicPr>
+            <a:picLocks noChangeAspect="1"/>
+          </p:cNvPicPr>
+          <p:nvPr/>
+        </p:nvPicPr>
+        <p:blipFill>
+          <a:blip r:embed="rId3"/>
+          <a:stretch>
+            <a:fillRect/>
+          </a:stretch>
+        </p:blipFill>
+        <p:spPr>
+          <a:xfrm>
+            <a:off x="157017" y="2695968"/>
+            <a:ext cx="5467927" cy="1270576"/>
+          </a:xfrm>
+          <a:prstGeom prst="rect">
+            <a:avLst/>
+          </a:prstGeom>
+        </p:spPr>
+      </p:pic>
+      <p:sp>
+        <p:nvSpPr>
+          <p:cNvPr id="12" name="TextBox 11">
+            <a:extLst>
+              <a:ext uri="{FF2B5EF4-FFF2-40B4-BE49-F238E27FC236}">
+                <a16:creationId xmlns:a16="http://schemas.microsoft.com/office/drawing/2014/main" id="{AAAFCE65-63F0-7FCD-F2E8-979A3FE893A1}"/>
+              </a:ext>
+            </a:extLst>
+          </p:cNvPr>
+          <p:cNvSpPr txBox="1"/>
+          <p:nvPr/>
+        </p:nvSpPr>
+        <p:spPr>
+          <a:xfrm>
+            <a:off x="355598" y="640527"/>
+            <a:ext cx="5070764" cy="369332"/>
+          </a:xfrm>
+          <a:prstGeom prst="rect">
+            <a:avLst/>
+          </a:prstGeom>
+          <a:noFill/>
+        </p:spPr>
+        <p:txBody>
+          <a:bodyPr wrap="square" rtlCol="0">
+            <a:spAutoFit/>
+          </a:bodyPr>
+          <a:lstStyle/>
+          <a:p>
+            <a:pPr algn="ctr"/>
+            <a:r>
+              <a:rPr lang="en-US" dirty="0"/>
+              <a:t>Client sending spoofed IP and port number</a:t>
+            </a:r>
+          </a:p>
+        </p:txBody>
+      </p:sp>
+      <p:sp>
+        <p:nvSpPr>
+          <p:cNvPr id="13" name="TextBox 12">
+            <a:extLst>
+              <a:ext uri="{FF2B5EF4-FFF2-40B4-BE49-F238E27FC236}">
+                <a16:creationId xmlns:a16="http://schemas.microsoft.com/office/drawing/2014/main" id="{704090DE-42FE-EC4D-BFED-D64EC2C5140F}"/>
+              </a:ext>
+            </a:extLst>
+          </p:cNvPr>
+          <p:cNvSpPr txBox="1"/>
+          <p:nvPr/>
+        </p:nvSpPr>
+        <p:spPr>
+          <a:xfrm>
+            <a:off x="355598" y="2326636"/>
+            <a:ext cx="5070764" cy="369332"/>
+          </a:xfrm>
+          <a:prstGeom prst="rect">
+            <a:avLst/>
+          </a:prstGeom>
+          <a:noFill/>
+        </p:spPr>
+        <p:txBody>
+          <a:bodyPr wrap="square" rtlCol="0">
+            <a:spAutoFit/>
+          </a:bodyPr>
+          <a:lstStyle/>
+          <a:p>
+            <a:pPr algn="ctr"/>
+            <a:r>
+              <a:rPr lang="en-US" dirty="0"/>
+              <a:t>Server receiving spoofed IP and port number</a:t>
+            </a:r>
+          </a:p>
+        </p:txBody>
+      </p:sp>
+    </p:spTree>
+    <p:extLst>
+      <p:ext uri="{BB962C8B-B14F-4D97-AF65-F5344CB8AC3E}">
+        <p14:creationId xmlns:p14="http://schemas.microsoft.com/office/powerpoint/2010/main" val="3648240152"/>
+      </p:ext>
+    </p:extLst>
+  </p:cSld>
+  <p:clrMapOvr>
+    <a:masterClrMapping/>
+  </p:clrMapOvr>
+</p:sld>
+</file>
+
+<file path=ppt/slides/slide3.xml><?xml version="1.0" encoding="utf-8"?>
+<p:sld xmlns:a="http://schemas.openxmlformats.org/drawingml/2006/main" xmlns:r="http://schemas.openxmlformats.org/officeDocument/2006/relationships" xmlns:p="http://schemas.openxmlformats.org/presentationml/2006/main">
+  <p:cSld>
+    <p:spTree>
+      <p:nvGrpSpPr>
+        <p:cNvPr id="1" name=""/>
+        <p:cNvGrpSpPr/>
+        <p:nvPr/>
+      </p:nvGrpSpPr>
+      <p:grpSpPr>
+        <a:xfrm>
+          <a:off x="0" y="0"/>
+          <a:ext cx="0" cy="0"/>
+          <a:chOff x="0" y="0"/>
+          <a:chExt cx="0" cy="0"/>
+        </a:xfrm>
+      </p:grpSpPr>
+      <p:pic>
+        <p:nvPicPr>
+          <p:cNvPr id="5" name="Picture 4">
+            <a:extLst>
+              <a:ext uri="{FF2B5EF4-FFF2-40B4-BE49-F238E27FC236}">
+                <a16:creationId xmlns:a16="http://schemas.microsoft.com/office/drawing/2014/main" id="{D9786F8C-9A82-A267-DAEB-2E48D63C63CE}"/>
+              </a:ext>
+            </a:extLst>
+          </p:cNvPr>
+          <p:cNvPicPr>
+            <a:picLocks noChangeAspect="1"/>
+          </p:cNvPicPr>
+          <p:nvPr/>
+        </p:nvPicPr>
+        <p:blipFill>
+          <a:blip r:embed="rId2"/>
+          <a:stretch>
+            <a:fillRect/>
+          </a:stretch>
+        </p:blipFill>
+        <p:spPr>
+          <a:xfrm>
+            <a:off x="574860" y="329046"/>
+            <a:ext cx="4054660" cy="286065"/>
+          </a:xfrm>
+          <a:prstGeom prst="rect">
+            <a:avLst/>
+          </a:prstGeom>
+        </p:spPr>
+      </p:pic>
+      <p:pic>
+        <p:nvPicPr>
+          <p:cNvPr id="7" name="Picture 6" descr="A screenshot of a computer&#10;&#10;Description automatically generated">
+            <a:extLst>
+              <a:ext uri="{FF2B5EF4-FFF2-40B4-BE49-F238E27FC236}">
+                <a16:creationId xmlns:a16="http://schemas.microsoft.com/office/drawing/2014/main" id="{0975A205-A0FD-00C7-48FB-44D485088B9A}"/>
+              </a:ext>
+            </a:extLst>
+          </p:cNvPr>
+          <p:cNvPicPr>
+            <a:picLocks noChangeAspect="1"/>
+          </p:cNvPicPr>
+          <p:nvPr/>
+        </p:nvPicPr>
+        <p:blipFill>
+          <a:blip r:embed="rId3"/>
+          <a:stretch>
+            <a:fillRect/>
+          </a:stretch>
+        </p:blipFill>
+        <p:spPr>
+          <a:xfrm>
+            <a:off x="574860" y="3978564"/>
+            <a:ext cx="4054660" cy="2736273"/>
+          </a:xfrm>
+          <a:prstGeom prst="rect">
+            <a:avLst/>
+          </a:prstGeom>
+        </p:spPr>
+      </p:pic>
+      <p:pic>
+        <p:nvPicPr>
+          <p:cNvPr id="9" name="Picture 8" descr="A screenshot of a computer&#10;&#10;Description automatically generated">
+            <a:extLst>
+              <a:ext uri="{FF2B5EF4-FFF2-40B4-BE49-F238E27FC236}">
+                <a16:creationId xmlns:a16="http://schemas.microsoft.com/office/drawing/2014/main" id="{B6C12778-FBDD-162A-0D45-1B1687F732A7}"/>
+              </a:ext>
+            </a:extLst>
+          </p:cNvPr>
+          <p:cNvPicPr>
+            <a:picLocks noChangeAspect="1"/>
+          </p:cNvPicPr>
+          <p:nvPr/>
+        </p:nvPicPr>
+        <p:blipFill>
+          <a:blip r:embed="rId4"/>
+          <a:stretch>
+            <a:fillRect/>
+          </a:stretch>
+        </p:blipFill>
+        <p:spPr>
+          <a:xfrm>
+            <a:off x="574860" y="908629"/>
+            <a:ext cx="4054660" cy="2736273"/>
+          </a:xfrm>
+          <a:prstGeom prst="rect">
+            <a:avLst/>
+          </a:prstGeom>
+        </p:spPr>
+      </p:pic>
+      <p:sp>
+        <p:nvSpPr>
+          <p:cNvPr id="10" name="TextBox 9">
+            <a:extLst>
+              <a:ext uri="{FF2B5EF4-FFF2-40B4-BE49-F238E27FC236}">
+                <a16:creationId xmlns:a16="http://schemas.microsoft.com/office/drawing/2014/main" id="{C437FC1A-A1B9-2636-BD98-41F089FAECB0}"/>
+              </a:ext>
+            </a:extLst>
+          </p:cNvPr>
+          <p:cNvSpPr txBox="1"/>
+          <p:nvPr/>
+        </p:nvSpPr>
+        <p:spPr>
+          <a:xfrm>
+            <a:off x="574860" y="90874"/>
+            <a:ext cx="4054660" cy="261610"/>
+          </a:xfrm>
+          <a:prstGeom prst="rect">
+            <a:avLst/>
+          </a:prstGeom>
+          <a:noFill/>
+        </p:spPr>
+        <p:txBody>
+          <a:bodyPr wrap="square" rtlCol="0">
+            <a:spAutoFit/>
+          </a:bodyPr>
+          <a:lstStyle/>
+          <a:p>
+            <a:r>
+              <a:rPr lang="en-US" sz="1100" dirty="0"/>
+              <a:t>1: Client sending spoofed IP and port number</a:t>
+            </a:r>
+            <a:endParaRPr lang="en-US" sz="1400" dirty="0"/>
+          </a:p>
+        </p:txBody>
+      </p:sp>
+      <p:sp>
+        <p:nvSpPr>
+          <p:cNvPr id="14" name="TextBox 13">
+            <a:extLst>
+              <a:ext uri="{FF2B5EF4-FFF2-40B4-BE49-F238E27FC236}">
+                <a16:creationId xmlns:a16="http://schemas.microsoft.com/office/drawing/2014/main" id="{C8343A86-28B2-86DB-2A4E-F0740AE086D6}"/>
+              </a:ext>
+            </a:extLst>
+          </p:cNvPr>
+          <p:cNvSpPr txBox="1"/>
+          <p:nvPr/>
+        </p:nvSpPr>
+        <p:spPr>
+          <a:xfrm>
+            <a:off x="574860" y="653699"/>
+            <a:ext cx="4054660" cy="261610"/>
+          </a:xfrm>
+          <a:prstGeom prst="rect">
+            <a:avLst/>
+          </a:prstGeom>
+          <a:noFill/>
+        </p:spPr>
+        <p:txBody>
+          <a:bodyPr wrap="square" rtlCol="0">
+            <a:spAutoFit/>
+          </a:bodyPr>
+          <a:lstStyle/>
+          <a:p>
+            <a:r>
+              <a:rPr lang="en-US" sz="1100" dirty="0"/>
+              <a:t>2: Server1 receives spoofed IP and responds to victim server</a:t>
+            </a:r>
+            <a:endParaRPr lang="en-US" sz="1400" dirty="0"/>
+          </a:p>
+        </p:txBody>
+      </p:sp>
+      <p:sp>
+        <p:nvSpPr>
+          <p:cNvPr id="15" name="TextBox 14">
+            <a:extLst>
+              <a:ext uri="{FF2B5EF4-FFF2-40B4-BE49-F238E27FC236}">
+                <a16:creationId xmlns:a16="http://schemas.microsoft.com/office/drawing/2014/main" id="{F52C3D10-781B-0145-F7B7-10B81D51FBFE}"/>
+              </a:ext>
+            </a:extLst>
+          </p:cNvPr>
+          <p:cNvSpPr txBox="1"/>
+          <p:nvPr/>
+        </p:nvSpPr>
+        <p:spPr>
+          <a:xfrm>
+            <a:off x="574860" y="3680928"/>
+            <a:ext cx="4054660" cy="261610"/>
+          </a:xfrm>
+          <a:prstGeom prst="rect">
+            <a:avLst/>
+          </a:prstGeom>
+          <a:noFill/>
+        </p:spPr>
+        <p:txBody>
+          <a:bodyPr wrap="square" rtlCol="0">
+            <a:spAutoFit/>
+          </a:bodyPr>
+          <a:lstStyle/>
+          <a:p>
+            <a:r>
+              <a:rPr lang="en-US" sz="1100" dirty="0"/>
+              <a:t>3: Victim server responds to server1 and causes an infinite loop</a:t>
+            </a:r>
+            <a:endParaRPr lang="en-US" sz="1400" dirty="0"/>
+          </a:p>
+        </p:txBody>
+      </p:sp>
+    </p:spTree>
+    <p:extLst>
+      <p:ext uri="{BB962C8B-B14F-4D97-AF65-F5344CB8AC3E}">
+        <p14:creationId xmlns:p14="http://schemas.microsoft.com/office/powerpoint/2010/main" val="4113095385"/>
+      </p:ext>
+    </p:extLst>
+  </p:cSld>
+  <p:clrMapOvr>
+    <a:masterClrMapping/>
+  </p:clrMapOvr>
+</p:sld>
+</file>
+
 <file path=ppt/theme/theme1.xml><?xml version="1.0" encoding="utf-8"?>
 <a:theme xmlns:a="http://schemas.openxmlformats.org/drawingml/2006/main" name="Office Theme">
   <a:themeElements>
